--- a/Documents/Poster.pptx
+++ b/Documents/Poster.pptx
@@ -104,6 +104,11 @@
       </a:defRPr>
     </a:lvl9pPr>
   </p:defaultTextStyle>
+  <p:extLst>
+    <p:ext uri="{EFAFB233-063F-42B5-8137-9DF3F51BA10A}">
+      <p15:sldGuideLst xmlns:p15="http://schemas.microsoft.com/office/powerpoint/2012/main"/>
+    </p:ext>
+  </p:extLst>
 </p:presentation>
 </file>
 
@@ -256,7 +261,7 @@
           <a:p>
             <a:fld id="{9222EC66-D0D7-49B9-8FCB-BB1B8501EE84}" type="datetimeFigureOut">
               <a:rPr lang="en-CA" smtClean="0"/>
-              <a:t>2020-03-03</a:t>
+              <a:t>2020-04-07</a:t>
             </a:fld>
             <a:endParaRPr lang="en-CA"/>
           </a:p>
@@ -456,7 +461,7 @@
           <a:p>
             <a:fld id="{9222EC66-D0D7-49B9-8FCB-BB1B8501EE84}" type="datetimeFigureOut">
               <a:rPr lang="en-CA" smtClean="0"/>
-              <a:t>2020-03-03</a:t>
+              <a:t>2020-04-07</a:t>
             </a:fld>
             <a:endParaRPr lang="en-CA"/>
           </a:p>
@@ -666,7 +671,7 @@
           <a:p>
             <a:fld id="{9222EC66-D0D7-49B9-8FCB-BB1B8501EE84}" type="datetimeFigureOut">
               <a:rPr lang="en-CA" smtClean="0"/>
-              <a:t>2020-03-03</a:t>
+              <a:t>2020-04-07</a:t>
             </a:fld>
             <a:endParaRPr lang="en-CA"/>
           </a:p>
@@ -897,7 +902,7 @@
           <a:p>
             <a:fld id="{9222EC66-D0D7-49B9-8FCB-BB1B8501EE84}" type="datetimeFigureOut">
               <a:rPr lang="en-CA" smtClean="0"/>
-              <a:t>2020-03-03</a:t>
+              <a:t>2020-04-07</a:t>
             </a:fld>
             <a:endParaRPr lang="en-CA"/>
           </a:p>
@@ -1173,7 +1178,7 @@
           <a:p>
             <a:fld id="{9222EC66-D0D7-49B9-8FCB-BB1B8501EE84}" type="datetimeFigureOut">
               <a:rPr lang="en-CA" smtClean="0"/>
-              <a:t>2020-03-03</a:t>
+              <a:t>2020-04-07</a:t>
             </a:fld>
             <a:endParaRPr lang="en-CA"/>
           </a:p>
@@ -1441,7 +1446,7 @@
           <a:p>
             <a:fld id="{9222EC66-D0D7-49B9-8FCB-BB1B8501EE84}" type="datetimeFigureOut">
               <a:rPr lang="en-CA" smtClean="0"/>
-              <a:t>2020-03-03</a:t>
+              <a:t>2020-04-07</a:t>
             </a:fld>
             <a:endParaRPr lang="en-CA"/>
           </a:p>
@@ -1856,7 +1861,7 @@
           <a:p>
             <a:fld id="{9222EC66-D0D7-49B9-8FCB-BB1B8501EE84}" type="datetimeFigureOut">
               <a:rPr lang="en-CA" smtClean="0"/>
-              <a:t>2020-03-03</a:t>
+              <a:t>2020-04-07</a:t>
             </a:fld>
             <a:endParaRPr lang="en-CA"/>
           </a:p>
@@ -1998,7 +2003,7 @@
           <a:p>
             <a:fld id="{9222EC66-D0D7-49B9-8FCB-BB1B8501EE84}" type="datetimeFigureOut">
               <a:rPr lang="en-CA" smtClean="0"/>
-              <a:t>2020-03-03</a:t>
+              <a:t>2020-04-07</a:t>
             </a:fld>
             <a:endParaRPr lang="en-CA"/>
           </a:p>
@@ -2111,7 +2116,7 @@
           <a:p>
             <a:fld id="{9222EC66-D0D7-49B9-8FCB-BB1B8501EE84}" type="datetimeFigureOut">
               <a:rPr lang="en-CA" smtClean="0"/>
-              <a:t>2020-03-03</a:t>
+              <a:t>2020-04-07</a:t>
             </a:fld>
             <a:endParaRPr lang="en-CA"/>
           </a:p>
@@ -2424,7 +2429,7 @@
           <a:p>
             <a:fld id="{9222EC66-D0D7-49B9-8FCB-BB1B8501EE84}" type="datetimeFigureOut">
               <a:rPr lang="en-CA" smtClean="0"/>
-              <a:t>2020-03-03</a:t>
+              <a:t>2020-04-07</a:t>
             </a:fld>
             <a:endParaRPr lang="en-CA"/>
           </a:p>
@@ -2713,7 +2718,7 @@
           <a:p>
             <a:fld id="{9222EC66-D0D7-49B9-8FCB-BB1B8501EE84}" type="datetimeFigureOut">
               <a:rPr lang="en-CA" smtClean="0"/>
-              <a:t>2020-03-03</a:t>
+              <a:t>2020-04-07</a:t>
             </a:fld>
             <a:endParaRPr lang="en-CA"/>
           </a:p>
@@ -2956,7 +2961,7 @@
           <a:p>
             <a:fld id="{9222EC66-D0D7-49B9-8FCB-BB1B8501EE84}" type="datetimeFigureOut">
               <a:rPr lang="en-CA" smtClean="0"/>
-              <a:t>2020-03-03</a:t>
+              <a:t>2020-04-07</a:t>
             </a:fld>
             <a:endParaRPr lang="en-CA"/>
           </a:p>
@@ -3362,12 +3367,15 @@
   <p:cSld>
     <p:bg>
       <p:bgPr>
-        <a:solidFill>
-          <a:schemeClr val="tx1">
-            <a:lumMod val="50000"/>
-            <a:lumOff val="50000"/>
-          </a:schemeClr>
-        </a:solidFill>
+        <a:blipFill dpi="0" rotWithShape="1">
+          <a:blip r:embed="rId2">
+            <a:lum/>
+          </a:blip>
+          <a:srcRect/>
+          <a:stretch>
+            <a:fillRect/>
+          </a:stretch>
+        </a:blipFill>
         <a:effectLst/>
       </p:bgPr>
     </p:bg>
@@ -3403,11 +3411,15 @@
           </a:prstGeom>
           <a:solidFill>
             <a:schemeClr val="bg2">
-              <a:lumMod val="75000"/>
+              <a:lumMod val="50000"/>
             </a:schemeClr>
           </a:solidFill>
           <a:ln w="76200">
-            <a:noFill/>
+            <a:solidFill>
+              <a:schemeClr val="accent3">
+                <a:lumMod val="50000"/>
+              </a:schemeClr>
+            </a:solidFill>
           </a:ln>
         </p:spPr>
         <p:style>
@@ -3459,7 +3471,12 @@
             <a:srgbClr val="AA6C76"/>
           </a:solidFill>
           <a:ln w="76200">
-            <a:noFill/>
+            <a:solidFill>
+              <a:schemeClr val="tx1">
+                <a:lumMod val="65000"/>
+                <a:lumOff val="35000"/>
+              </a:schemeClr>
+            </a:solidFill>
           </a:ln>
         </p:spPr>
         <p:style>
@@ -3499,7 +3516,7 @@
         </p:nvSpPr>
         <p:spPr>
           <a:xfrm>
-            <a:off x="1684015" y="1648030"/>
+            <a:off x="1683805" y="1675757"/>
             <a:ext cx="1713660" cy="2415970"/>
           </a:xfrm>
           <a:prstGeom prst="roundRect">
@@ -3511,7 +3528,12 @@
             <a:srgbClr val="AA6C76"/>
           </a:solidFill>
           <a:ln w="76200">
-            <a:noFill/>
+            <a:solidFill>
+              <a:schemeClr val="tx1">
+                <a:lumMod val="65000"/>
+                <a:lumOff val="35000"/>
+              </a:schemeClr>
+            </a:solidFill>
           </a:ln>
         </p:spPr>
         <p:style>
@@ -3539,7 +3561,7 @@
           </a:lstStyle>
           <a:p>
             <a:pPr algn="ctr"/>
-            <a:endParaRPr lang="en-US" sz="2395"/>
+            <a:endParaRPr lang="en-US" sz="2395" dirty="0"/>
           </a:p>
         </p:txBody>
       </p:sp>
@@ -3563,7 +3585,12 @@
             <a:srgbClr val="AA6C76"/>
           </a:solidFill>
           <a:ln w="76200">
-            <a:noFill/>
+            <a:solidFill>
+              <a:schemeClr val="tx1">
+                <a:lumMod val="65000"/>
+                <a:lumOff val="35000"/>
+              </a:schemeClr>
+            </a:solidFill>
           </a:ln>
         </p:spPr>
         <p:style>
@@ -3591,7 +3618,7 @@
           </a:lstStyle>
           <a:p>
             <a:pPr algn="ctr"/>
-            <a:endParaRPr lang="en-US" sz="2395"/>
+            <a:endParaRPr lang="en-US" sz="2395" dirty="0"/>
           </a:p>
         </p:txBody>
       </p:sp>
@@ -3615,7 +3642,12 @@
             <a:srgbClr val="AA6C76"/>
           </a:solidFill>
           <a:ln w="76200">
-            <a:noFill/>
+            <a:solidFill>
+              <a:schemeClr val="tx1">
+                <a:lumMod val="65000"/>
+                <a:lumOff val="35000"/>
+              </a:schemeClr>
+            </a:solidFill>
           </a:ln>
         </p:spPr>
         <p:style>
@@ -3643,7 +3675,7 @@
           </a:lstStyle>
           <a:p>
             <a:pPr algn="ctr"/>
-            <a:endParaRPr lang="en-US" sz="2395"/>
+            <a:endParaRPr lang="en-US" sz="2395" dirty="0"/>
           </a:p>
         </p:txBody>
       </p:sp>
@@ -3655,7 +3687,7 @@
         </p:nvSpPr>
         <p:spPr>
           <a:xfrm>
-            <a:off x="8787526" y="5549568"/>
+            <a:off x="8775266" y="5549568"/>
             <a:ext cx="1713660" cy="1143000"/>
           </a:xfrm>
           <a:prstGeom prst="roundRect">
@@ -3667,7 +3699,12 @@
             <a:srgbClr val="AA6C76"/>
           </a:solidFill>
           <a:ln w="76200">
-            <a:noFill/>
+            <a:solidFill>
+              <a:schemeClr val="tx1">
+                <a:lumMod val="65000"/>
+                <a:lumOff val="35000"/>
+              </a:schemeClr>
+            </a:solidFill>
           </a:ln>
         </p:spPr>
         <p:style>
@@ -3695,7 +3732,7 @@
           </a:lstStyle>
           <a:p>
             <a:pPr algn="ctr"/>
-            <a:endParaRPr lang="en-US" sz="2395"/>
+            <a:endParaRPr lang="en-US" sz="1200" dirty="0"/>
           </a:p>
         </p:txBody>
       </p:sp>
@@ -3719,7 +3756,12 @@
             <a:srgbClr val="AA6C76"/>
           </a:solidFill>
           <a:ln w="76200">
-            <a:noFill/>
+            <a:solidFill>
+              <a:schemeClr val="tx1">
+                <a:lumMod val="65000"/>
+                <a:lumOff val="35000"/>
+              </a:schemeClr>
+            </a:solidFill>
           </a:ln>
         </p:spPr>
         <p:style>
@@ -3747,7 +3789,7 @@
           </a:lstStyle>
           <a:p>
             <a:pPr algn="ctr"/>
-            <a:endParaRPr lang="en-US" sz="2395"/>
+            <a:endParaRPr lang="en-US" sz="2395" dirty="0"/>
           </a:p>
         </p:txBody>
       </p:sp>
@@ -3799,7 +3841,7 @@
         <p:spPr>
           <a:xfrm>
             <a:off x="1731220" y="1872320"/>
-            <a:ext cx="1619250" cy="246221"/>
+            <a:ext cx="1619250" cy="1323439"/>
           </a:xfrm>
           <a:prstGeom prst="rect">
             <a:avLst/>
@@ -3817,15 +3859,55 @@
           </a:lstStyle>
           <a:p>
             <a:r>
-              <a:rPr lang="en-US" sz="500">
-                <a:solidFill>
-                  <a:schemeClr val="bg1"/>
-                </a:solidFill>
+              <a:rPr lang="en-US" sz="500" dirty="0">
                 <a:latin typeface="Open Sans" panose="020B0606030504020204" pitchFamily="34" charset="0"/>
                 <a:ea typeface="Open Sans" panose="020B0606030504020204" pitchFamily="34" charset="0"/>
                 <a:cs typeface="Open Sans" panose="020B0606030504020204" pitchFamily="34" charset="0"/>
               </a:rPr>
-              <a:t>Add your information, graphs and images to this section.</a:t>
+              <a:t>The world of gaming has a wide variety of applications to the real world. From social, leisure, competitive and public to scientific,  educational or even training for specific tasks.  That is why the field of game development is so important, while also having the potential of being very complex.</a:t>
+            </a:r>
+          </a:p>
+          <a:p>
+            <a:endParaRPr lang="en-US" sz="500" dirty="0">
+              <a:latin typeface="Open Sans" panose="020B0606030504020204" pitchFamily="34" charset="0"/>
+              <a:ea typeface="Open Sans" panose="020B0606030504020204" pitchFamily="34" charset="0"/>
+              <a:cs typeface="Open Sans" panose="020B0606030504020204" pitchFamily="34" charset="0"/>
+            </a:endParaRPr>
+          </a:p>
+          <a:p>
+            <a:r>
+              <a:rPr lang="en-US" sz="500" dirty="0">
+                <a:latin typeface="Open Sans" panose="020B0606030504020204" pitchFamily="34" charset="0"/>
+                <a:ea typeface="Open Sans" panose="020B0606030504020204" pitchFamily="34" charset="0"/>
+                <a:cs typeface="Open Sans" panose="020B0606030504020204" pitchFamily="34" charset="0"/>
+              </a:rPr>
+              <a:t>Stride Champions was developed as our 4</a:t>
+            </a:r>
+            <a:r>
+              <a:rPr lang="en-US" sz="500" baseline="30000" dirty="0">
+                <a:latin typeface="Open Sans" panose="020B0606030504020204" pitchFamily="34" charset="0"/>
+                <a:ea typeface="Open Sans" panose="020B0606030504020204" pitchFamily="34" charset="0"/>
+                <a:cs typeface="Open Sans" panose="020B0606030504020204" pitchFamily="34" charset="0"/>
+              </a:rPr>
+              <a:t>th</a:t>
+            </a:r>
+            <a:r>
+              <a:rPr lang="en-US" sz="500" dirty="0">
+                <a:latin typeface="Open Sans" panose="020B0606030504020204" pitchFamily="34" charset="0"/>
+                <a:ea typeface="Open Sans" panose="020B0606030504020204" pitchFamily="34" charset="0"/>
+                <a:cs typeface="Open Sans" panose="020B0606030504020204" pitchFamily="34" charset="0"/>
+              </a:rPr>
+              <a:t> year engineering project at the University of Regina. The purpose of this project was to act as an introduction into the field of game development and the different software used.</a:t>
+            </a:r>
+          </a:p>
+          <a:p>
+            <a:r>
+              <a:rPr lang="en-US" sz="500" dirty="0">
+                <a:latin typeface="Open Sans" panose="020B0606030504020204" pitchFamily="34" charset="0"/>
+                <a:ea typeface="Open Sans" panose="020B0606030504020204" pitchFamily="34" charset="0"/>
+                <a:cs typeface="Open Sans" panose="020B0606030504020204" pitchFamily="34" charset="0"/>
+              </a:rPr>
+              <a:t>Also, it was used as a method of applying  our knowledge of the software engineering process learned over our University careers.</a:t>
             </a:r>
           </a:p>
         </p:txBody>
@@ -4334,7 +4416,7 @@
                 <a:latin typeface="Nunito" panose="00000500000000000000" pitchFamily="2" charset="0"/>
                 <a:cs typeface="Arial" pitchFamily="34" charset="0"/>
               </a:rPr>
-              <a:t>Materials and Methods</a:t>
+              <a:t>Methods &amp; Software</a:t>
             </a:r>
           </a:p>
         </p:txBody>
@@ -4534,7 +4616,7 @@
                 <a:latin typeface="Nunito" panose="00000500000000000000" pitchFamily="2" charset="0"/>
                 <a:cs typeface="Arial" pitchFamily="34" charset="0"/>
               </a:rPr>
-              <a:t>Conclusions</a:t>
+              <a:t>Conclusion &amp; Discussion</a:t>
             </a:r>
           </a:p>
         </p:txBody>
@@ -4734,7 +4816,7 @@
                 <a:latin typeface="Nunito" panose="00000500000000000000" pitchFamily="2" charset="0"/>
                 <a:cs typeface="Arial" pitchFamily="34" charset="0"/>
               </a:rPr>
-              <a:t>Further Information </a:t>
+              <a:t>Next Steps</a:t>
             </a:r>
           </a:p>
         </p:txBody>
@@ -4794,6 +4876,577 @@
           </a:p>
         </p:txBody>
       </p:sp>
+      <p:sp>
+        <p:nvSpPr>
+          <p:cNvPr id="2" name="TextBox 1">
+            <a:extLst>
+              <a:ext uri="{FF2B5EF4-FFF2-40B4-BE49-F238E27FC236}">
+                <a16:creationId xmlns:a16="http://schemas.microsoft.com/office/drawing/2014/main" id="{2BEAE200-B875-4325-B823-FC89675898CE}"/>
+              </a:ext>
+            </a:extLst>
+          </p:cNvPr>
+          <p:cNvSpPr txBox="1"/>
+          <p:nvPr/>
+        </p:nvSpPr>
+        <p:spPr>
+          <a:xfrm>
+            <a:off x="8832140" y="5812402"/>
+            <a:ext cx="1580403" cy="707886"/>
+          </a:xfrm>
+          <a:prstGeom prst="rect">
+            <a:avLst/>
+          </a:prstGeom>
+          <a:noFill/>
+        </p:spPr>
+        <p:txBody>
+          <a:bodyPr wrap="square" rtlCol="0">
+            <a:spAutoFit/>
+          </a:bodyPr>
+          <a:lstStyle/>
+          <a:p>
+            <a:r>
+              <a:rPr lang="en-CA" sz="500" dirty="0"/>
+              <a:t>Further development of the game including, but not limited too:</a:t>
+            </a:r>
+          </a:p>
+          <a:p>
+            <a:pPr marL="171450" indent="-171450">
+              <a:buFont typeface="Arial" panose="020B0604020202020204" pitchFamily="34" charset="0"/>
+              <a:buChar char="•"/>
+            </a:pPr>
+            <a:r>
+              <a:rPr lang="en-CA" sz="500" dirty="0"/>
+              <a:t>Addition of more characters, stages, etc.</a:t>
+            </a:r>
+          </a:p>
+          <a:p>
+            <a:pPr marL="171450" indent="-171450">
+              <a:buFont typeface="Arial" panose="020B0604020202020204" pitchFamily="34" charset="0"/>
+              <a:buChar char="•"/>
+            </a:pPr>
+            <a:r>
+              <a:rPr lang="en-CA" sz="500" dirty="0"/>
+              <a:t>Development of a single player story mode</a:t>
+            </a:r>
+          </a:p>
+          <a:p>
+            <a:pPr marL="171450" indent="-171450">
+              <a:buFont typeface="Arial" panose="020B0604020202020204" pitchFamily="34" charset="0"/>
+              <a:buChar char="•"/>
+            </a:pPr>
+            <a:r>
+              <a:rPr lang="en-CA" sz="500" dirty="0"/>
+              <a:t>Implementation of in-battle items</a:t>
+            </a:r>
+          </a:p>
+          <a:p>
+            <a:pPr marL="171450" indent="-171450">
+              <a:buFont typeface="Arial" panose="020B0604020202020204" pitchFamily="34" charset="0"/>
+              <a:buChar char="•"/>
+            </a:pPr>
+            <a:r>
+              <a:rPr lang="en-CA" sz="500" dirty="0"/>
+              <a:t>External controller compatibility</a:t>
+            </a:r>
+          </a:p>
+          <a:p>
+            <a:r>
+              <a:rPr lang="en-CA" sz="500" dirty="0"/>
+              <a:t>Further testing  on final prototype</a:t>
+            </a:r>
+          </a:p>
+          <a:p>
+            <a:pPr marL="171450" indent="-171450">
+              <a:buFont typeface="Arial" panose="020B0604020202020204" pitchFamily="34" charset="0"/>
+              <a:buChar char="•"/>
+            </a:pPr>
+            <a:endParaRPr lang="en-CA" sz="500" dirty="0"/>
+          </a:p>
+        </p:txBody>
+      </p:sp>
+      <p:sp>
+        <p:nvSpPr>
+          <p:cNvPr id="3" name="TextBox 2">
+            <a:extLst>
+              <a:ext uri="{FF2B5EF4-FFF2-40B4-BE49-F238E27FC236}">
+                <a16:creationId xmlns:a16="http://schemas.microsoft.com/office/drawing/2014/main" id="{1C6EFE87-EF21-42EE-83BF-EBD1183B26A4}"/>
+              </a:ext>
+            </a:extLst>
+          </p:cNvPr>
+          <p:cNvSpPr txBox="1"/>
+          <p:nvPr/>
+        </p:nvSpPr>
+        <p:spPr>
+          <a:xfrm>
+            <a:off x="8858250" y="1930069"/>
+            <a:ext cx="1581398" cy="169277"/>
+          </a:xfrm>
+          <a:prstGeom prst="rect">
+            <a:avLst/>
+          </a:prstGeom>
+          <a:noFill/>
+        </p:spPr>
+        <p:txBody>
+          <a:bodyPr wrap="square" rtlCol="0">
+            <a:spAutoFit/>
+          </a:bodyPr>
+          <a:lstStyle/>
+          <a:p>
+            <a:endParaRPr lang="en-CA" sz="500" dirty="0"/>
+          </a:p>
+        </p:txBody>
+      </p:sp>
+      <p:pic>
+        <p:nvPicPr>
+          <p:cNvPr id="6" name="Picture 5">
+            <a:extLst>
+              <a:ext uri="{FF2B5EF4-FFF2-40B4-BE49-F238E27FC236}">
+                <a16:creationId xmlns:a16="http://schemas.microsoft.com/office/drawing/2014/main" id="{378E2EF8-6CB7-4319-81E1-A3FDBF2E467E}"/>
+              </a:ext>
+            </a:extLst>
+          </p:cNvPr>
+          <p:cNvPicPr>
+            <a:picLocks noChangeAspect="1"/>
+          </p:cNvPicPr>
+          <p:nvPr/>
+        </p:nvPicPr>
+        <p:blipFill>
+          <a:blip r:embed="rId3">
+            <a:extLst>
+              <a:ext uri="{28A0092B-C50C-407E-A947-70E740481C1C}">
+                <a14:useLocalDpi xmlns:a14="http://schemas.microsoft.com/office/drawing/2010/main" val="0"/>
+              </a:ext>
+            </a:extLst>
+          </a:blip>
+          <a:stretch>
+            <a:fillRect/>
+          </a:stretch>
+        </p:blipFill>
+        <p:spPr>
+          <a:xfrm>
+            <a:off x="1683805" y="372108"/>
+            <a:ext cx="943959" cy="943959"/>
+          </a:xfrm>
+          <a:prstGeom prst="rect">
+            <a:avLst/>
+          </a:prstGeom>
+        </p:spPr>
+      </p:pic>
+      <p:pic>
+        <p:nvPicPr>
+          <p:cNvPr id="7" name="Picture 6">
+            <a:extLst>
+              <a:ext uri="{FF2B5EF4-FFF2-40B4-BE49-F238E27FC236}">
+                <a16:creationId xmlns:a16="http://schemas.microsoft.com/office/drawing/2014/main" id="{BDCDC0D0-CBAD-44EC-9D01-18FC533B1030}"/>
+              </a:ext>
+            </a:extLst>
+          </p:cNvPr>
+          <p:cNvPicPr>
+            <a:picLocks noChangeAspect="1"/>
+          </p:cNvPicPr>
+          <p:nvPr/>
+        </p:nvPicPr>
+        <p:blipFill>
+          <a:blip r:embed="rId4"/>
+          <a:stretch>
+            <a:fillRect/>
+          </a:stretch>
+        </p:blipFill>
+        <p:spPr>
+          <a:xfrm>
+            <a:off x="9522979" y="381209"/>
+            <a:ext cx="944962" cy="944962"/>
+          </a:xfrm>
+          <a:prstGeom prst="rect">
+            <a:avLst/>
+          </a:prstGeom>
+        </p:spPr>
+      </p:pic>
+      <p:sp>
+        <p:nvSpPr>
+          <p:cNvPr id="8" name="TextBox 7">
+            <a:extLst>
+              <a:ext uri="{FF2B5EF4-FFF2-40B4-BE49-F238E27FC236}">
+                <a16:creationId xmlns:a16="http://schemas.microsoft.com/office/drawing/2014/main" id="{511E1961-0739-4E06-B5D4-5A3A2C0B4D3F}"/>
+              </a:ext>
+            </a:extLst>
+          </p:cNvPr>
+          <p:cNvSpPr txBox="1"/>
+          <p:nvPr/>
+        </p:nvSpPr>
+        <p:spPr>
+          <a:xfrm>
+            <a:off x="8870850" y="1856398"/>
+            <a:ext cx="1568798" cy="1092607"/>
+          </a:xfrm>
+          <a:prstGeom prst="rect">
+            <a:avLst/>
+          </a:prstGeom>
+          <a:noFill/>
+        </p:spPr>
+        <p:txBody>
+          <a:bodyPr wrap="square" rtlCol="0">
+            <a:spAutoFit/>
+          </a:bodyPr>
+          <a:lstStyle/>
+          <a:p>
+            <a:r>
+              <a:rPr lang="en-CA" sz="500" dirty="0"/>
+              <a:t>The main objective  of the development of Stride Champions was not only to  further our skills in game development, storytelling and software engineering, but also to create a fun and interesting platform fighter from nothing. </a:t>
+            </a:r>
+          </a:p>
+          <a:p>
+            <a:endParaRPr lang="en-CA" sz="500" dirty="0"/>
+          </a:p>
+          <a:p>
+            <a:r>
+              <a:rPr lang="en-CA" sz="500" dirty="0"/>
+              <a:t>In the end we were able to learn from the various software and implement all the different features that come with game design, such as: Stage/level creation, character design, game logic coding, storytelling,  music, UI development, etc.</a:t>
+            </a:r>
+          </a:p>
+          <a:p>
+            <a:endParaRPr lang="en-CA" sz="500" dirty="0"/>
+          </a:p>
+          <a:p>
+            <a:endParaRPr lang="en-CA" sz="500" dirty="0"/>
+          </a:p>
+        </p:txBody>
+      </p:sp>
+      <p:sp>
+        <p:nvSpPr>
+          <p:cNvPr id="9" name="TextBox 8">
+            <a:extLst>
+              <a:ext uri="{FF2B5EF4-FFF2-40B4-BE49-F238E27FC236}">
+                <a16:creationId xmlns:a16="http://schemas.microsoft.com/office/drawing/2014/main" id="{59205E8B-5AD7-4C3C-8DE7-5307FC83244C}"/>
+              </a:ext>
+            </a:extLst>
+          </p:cNvPr>
+          <p:cNvSpPr txBox="1"/>
+          <p:nvPr/>
+        </p:nvSpPr>
+        <p:spPr>
+          <a:xfrm>
+            <a:off x="1782191" y="4468312"/>
+            <a:ext cx="1524840" cy="1092607"/>
+          </a:xfrm>
+          <a:prstGeom prst="rect">
+            <a:avLst/>
+          </a:prstGeom>
+          <a:noFill/>
+        </p:spPr>
+        <p:txBody>
+          <a:bodyPr wrap="square" rtlCol="0">
+            <a:spAutoFit/>
+          </a:bodyPr>
+          <a:lstStyle/>
+          <a:p>
+            <a:r>
+              <a:rPr lang="en-CA" sz="500" dirty="0"/>
+              <a:t>Game Engine – Unreal Engine 4</a:t>
+            </a:r>
+          </a:p>
+          <a:p>
+            <a:endParaRPr lang="en-CA" sz="500" dirty="0"/>
+          </a:p>
+          <a:p>
+            <a:r>
+              <a:rPr lang="en-CA" sz="500" dirty="0"/>
+              <a:t>Character Design – Adobe Fuse</a:t>
+            </a:r>
+          </a:p>
+          <a:p>
+            <a:endParaRPr lang="en-CA" sz="500" dirty="0"/>
+          </a:p>
+          <a:p>
+            <a:r>
+              <a:rPr lang="en-CA" sz="500" dirty="0"/>
+              <a:t>Rigging and Animation – </a:t>
+            </a:r>
+            <a:r>
+              <a:rPr lang="en-CA" sz="500" dirty="0" err="1"/>
+              <a:t>Mixamo</a:t>
+            </a:r>
+            <a:endParaRPr lang="en-CA" sz="500" dirty="0"/>
+          </a:p>
+          <a:p>
+            <a:endParaRPr lang="en-CA" sz="500" dirty="0"/>
+          </a:p>
+          <a:p>
+            <a:r>
+              <a:rPr lang="en-CA" sz="500" dirty="0"/>
+              <a:t>Character Bio Cards – </a:t>
+            </a:r>
+            <a:r>
+              <a:rPr lang="en-CA" sz="500" dirty="0" err="1"/>
+              <a:t>Milanote</a:t>
+            </a:r>
+            <a:endParaRPr lang="en-CA" sz="500" dirty="0"/>
+          </a:p>
+          <a:p>
+            <a:endParaRPr lang="en-CA" sz="500" dirty="0"/>
+          </a:p>
+          <a:p>
+            <a:r>
+              <a:rPr lang="en-CA" sz="500" b="1" u="sng" dirty="0"/>
+              <a:t>Brainstorming and Creative Sessions</a:t>
+            </a:r>
+          </a:p>
+          <a:p>
+            <a:r>
+              <a:rPr lang="en-CA" sz="500" dirty="0"/>
+              <a:t>We conducted these sessions between the 2 of us, and along with our professors, to come up with new ideas and directions with which to take the game.</a:t>
+            </a:r>
+          </a:p>
+        </p:txBody>
+      </p:sp>
+      <p:sp>
+        <p:nvSpPr>
+          <p:cNvPr id="10" name="TextBox 9">
+            <a:extLst>
+              <a:ext uri="{FF2B5EF4-FFF2-40B4-BE49-F238E27FC236}">
+                <a16:creationId xmlns:a16="http://schemas.microsoft.com/office/drawing/2014/main" id="{EE9E6F05-C8E9-4355-9E16-E348853EEDCD}"/>
+              </a:ext>
+            </a:extLst>
+          </p:cNvPr>
+          <p:cNvSpPr txBox="1"/>
+          <p:nvPr/>
+        </p:nvSpPr>
+        <p:spPr>
+          <a:xfrm>
+            <a:off x="7195931" y="1835707"/>
+            <a:ext cx="1282664" cy="1785104"/>
+          </a:xfrm>
+          <a:prstGeom prst="rect">
+            <a:avLst/>
+          </a:prstGeom>
+          <a:noFill/>
+        </p:spPr>
+        <p:txBody>
+          <a:bodyPr wrap="square" rtlCol="0">
+            <a:spAutoFit/>
+          </a:bodyPr>
+          <a:lstStyle/>
+          <a:p>
+            <a:r>
+              <a:rPr lang="en-CA" sz="500" b="1" u="sng" dirty="0"/>
+              <a:t>Storyline</a:t>
+            </a:r>
+          </a:p>
+          <a:p>
+            <a:r>
+              <a:rPr lang="en-CA" sz="500" dirty="0"/>
+              <a:t>In our world there are a number of parallel universes, each with their unique properties and inhabitants, but also similarities. While all these universes are unknown to each other, at the center there is one who rules them all. Simply known as “The Elder”, he watches over the known realms keeping their peace and secrecy unknown. Every millennium, a tournament is held among the Universes simply called the “Stride Tournament”. The Elder sends his messengers to find the strongest fighters from each of the universes, and bring them together for an all-out, single elimination tournament to discover who is the strongest. The Elder promises the winner a single wish, anything their heart desires. But what the contestants don’t know is that the tournament hold a deeper, darker secret for the losers.</a:t>
+            </a:r>
+          </a:p>
+        </p:txBody>
+      </p:sp>
+      <p:sp>
+        <p:nvSpPr>
+          <p:cNvPr id="12" name="TextBox 11">
+            <a:extLst>
+              <a:ext uri="{FF2B5EF4-FFF2-40B4-BE49-F238E27FC236}">
+                <a16:creationId xmlns:a16="http://schemas.microsoft.com/office/drawing/2014/main" id="{0F8FDCA1-B380-46A2-B3BC-7D72A7003BA1}"/>
+              </a:ext>
+            </a:extLst>
+          </p:cNvPr>
+          <p:cNvSpPr txBox="1"/>
+          <p:nvPr/>
+        </p:nvSpPr>
+        <p:spPr>
+          <a:xfrm>
+            <a:off x="3670657" y="4640237"/>
+            <a:ext cx="1176793" cy="246221"/>
+          </a:xfrm>
+          <a:prstGeom prst="rect">
+            <a:avLst/>
+          </a:prstGeom>
+          <a:noFill/>
+        </p:spPr>
+        <p:txBody>
+          <a:bodyPr wrap="square" rtlCol="0">
+            <a:spAutoFit/>
+          </a:bodyPr>
+          <a:lstStyle/>
+          <a:p>
+            <a:r>
+              <a:rPr lang="en-CA" sz="500" b="1" u="sng" dirty="0"/>
+              <a:t>Characters</a:t>
+            </a:r>
+          </a:p>
+          <a:p>
+            <a:r>
+              <a:rPr lang="en-CA" sz="500" dirty="0"/>
+              <a:t>We have 2 fully functional characters, </a:t>
+            </a:r>
+          </a:p>
+        </p:txBody>
+      </p:sp>
+      <p:sp>
+        <p:nvSpPr>
+          <p:cNvPr id="13" name="TextBox 12">
+            <a:extLst>
+              <a:ext uri="{FF2B5EF4-FFF2-40B4-BE49-F238E27FC236}">
+                <a16:creationId xmlns:a16="http://schemas.microsoft.com/office/drawing/2014/main" id="{1DAA4680-BB59-4428-855B-75033E6F9BC1}"/>
+              </a:ext>
+            </a:extLst>
+          </p:cNvPr>
+          <p:cNvSpPr txBox="1"/>
+          <p:nvPr/>
+        </p:nvSpPr>
+        <p:spPr>
+          <a:xfrm>
+            <a:off x="3646007" y="1846244"/>
+            <a:ext cx="915530" cy="861774"/>
+          </a:xfrm>
+          <a:prstGeom prst="rect">
+            <a:avLst/>
+          </a:prstGeom>
+          <a:noFill/>
+        </p:spPr>
+        <p:txBody>
+          <a:bodyPr wrap="square" rtlCol="0">
+            <a:spAutoFit/>
+          </a:bodyPr>
+          <a:lstStyle/>
+          <a:p>
+            <a:r>
+              <a:rPr lang="en-CA" sz="500" b="1" u="sng" dirty="0"/>
+              <a:t>Graphics and UI</a:t>
+            </a:r>
+          </a:p>
+          <a:p>
+            <a:r>
+              <a:rPr lang="en-CA" sz="500" dirty="0"/>
+              <a:t>User Interface Design focuses on anticipating what users might want to do and ensuring that the interface has the necessary information available as to not make new users potentially feel overwhelmed.</a:t>
+            </a:r>
+          </a:p>
+        </p:txBody>
+      </p:sp>
+      <p:sp>
+        <p:nvSpPr>
+          <p:cNvPr id="14" name="TextBox 13">
+            <a:extLst>
+              <a:ext uri="{FF2B5EF4-FFF2-40B4-BE49-F238E27FC236}">
+                <a16:creationId xmlns:a16="http://schemas.microsoft.com/office/drawing/2014/main" id="{E9191B5C-D8D0-4D7C-9F3A-A38AD50C81EC}"/>
+              </a:ext>
+            </a:extLst>
+          </p:cNvPr>
+          <p:cNvSpPr txBox="1"/>
+          <p:nvPr/>
+        </p:nvSpPr>
+        <p:spPr>
+          <a:xfrm>
+            <a:off x="7247107" y="3709283"/>
+            <a:ext cx="1129592" cy="169277"/>
+          </a:xfrm>
+          <a:prstGeom prst="rect">
+            <a:avLst/>
+          </a:prstGeom>
+          <a:noFill/>
+        </p:spPr>
+        <p:txBody>
+          <a:bodyPr wrap="square" rtlCol="0">
+            <a:spAutoFit/>
+          </a:bodyPr>
+          <a:lstStyle/>
+          <a:p>
+            <a:r>
+              <a:rPr lang="en-CA" sz="500" b="1" u="sng" dirty="0"/>
+              <a:t>Stages</a:t>
+            </a:r>
+          </a:p>
+        </p:txBody>
+      </p:sp>
+      <p:pic>
+        <p:nvPicPr>
+          <p:cNvPr id="15" name="Picture 14">
+            <a:extLst>
+              <a:ext uri="{FF2B5EF4-FFF2-40B4-BE49-F238E27FC236}">
+                <a16:creationId xmlns:a16="http://schemas.microsoft.com/office/drawing/2014/main" id="{5B50A738-A6FD-427A-9EE3-193A48721961}"/>
+              </a:ext>
+            </a:extLst>
+          </p:cNvPr>
+          <p:cNvPicPr>
+            <a:picLocks noChangeAspect="1"/>
+          </p:cNvPicPr>
+          <p:nvPr/>
+        </p:nvPicPr>
+        <p:blipFill>
+          <a:blip r:embed="rId5"/>
+          <a:stretch>
+            <a:fillRect/>
+          </a:stretch>
+        </p:blipFill>
+        <p:spPr>
+          <a:xfrm>
+            <a:off x="4923518" y="4763347"/>
+            <a:ext cx="721157" cy="714913"/>
+          </a:xfrm>
+          <a:prstGeom prst="rect">
+            <a:avLst/>
+          </a:prstGeom>
+        </p:spPr>
+      </p:pic>
+      <p:pic>
+        <p:nvPicPr>
+          <p:cNvPr id="16" name="Picture 15">
+            <a:extLst>
+              <a:ext uri="{FF2B5EF4-FFF2-40B4-BE49-F238E27FC236}">
+                <a16:creationId xmlns:a16="http://schemas.microsoft.com/office/drawing/2014/main" id="{5BDFF419-CFFE-4EFA-93DF-2D51B6ADC1A1}"/>
+              </a:ext>
+            </a:extLst>
+          </p:cNvPr>
+          <p:cNvPicPr>
+            <a:picLocks noChangeAspect="1"/>
+          </p:cNvPicPr>
+          <p:nvPr/>
+        </p:nvPicPr>
+        <p:blipFill>
+          <a:blip r:embed="rId6"/>
+          <a:stretch>
+            <a:fillRect/>
+          </a:stretch>
+        </p:blipFill>
+        <p:spPr>
+          <a:xfrm>
+            <a:off x="4923517" y="5753100"/>
+            <a:ext cx="721157" cy="721157"/>
+          </a:xfrm>
+          <a:prstGeom prst="rect">
+            <a:avLst/>
+          </a:prstGeom>
+        </p:spPr>
+      </p:pic>
+      <p:pic>
+        <p:nvPicPr>
+          <p:cNvPr id="17" name="Picture 16">
+            <a:extLst>
+              <a:ext uri="{FF2B5EF4-FFF2-40B4-BE49-F238E27FC236}">
+                <a16:creationId xmlns:a16="http://schemas.microsoft.com/office/drawing/2014/main" id="{5B81BB19-85FF-4A78-9A0F-0BA3DBAEAE0A}"/>
+              </a:ext>
+            </a:extLst>
+          </p:cNvPr>
+          <p:cNvPicPr>
+            <a:picLocks noChangeAspect="1"/>
+          </p:cNvPicPr>
+          <p:nvPr/>
+        </p:nvPicPr>
+        <p:blipFill>
+          <a:blip r:embed="rId7"/>
+          <a:stretch>
+            <a:fillRect/>
+          </a:stretch>
+        </p:blipFill>
+        <p:spPr>
+          <a:xfrm>
+            <a:off x="4570404" y="1887051"/>
+            <a:ext cx="2075172" cy="1066896"/>
+          </a:xfrm>
+          <a:prstGeom prst="rect">
+            <a:avLst/>
+          </a:prstGeom>
+        </p:spPr>
+      </p:pic>
     </p:spTree>
     <p:extLst>
       <p:ext uri="{BB962C8B-B14F-4D97-AF65-F5344CB8AC3E}">
